--- a/ppt 16-9/1101.生命的小路.pptx
+++ b/ppt 16-9/1101.生命的小路.pptx
@@ -129,7 +129,7 @@
           <p:cNvPr id="2" name="标题 1">
             <a:extLst>
               <a:ext uri="{FF2B5EF4-FFF2-40B4-BE49-F238E27FC236}">
-                <a16:creationId xmlns:a16="http://schemas.microsoft.com/office/drawing/2014/main" id="{61364B69-D104-5FAA-ECDC-687D2CACC2CB}"/>
+                <a16:creationId xmlns:a16="http://schemas.microsoft.com/office/drawing/2014/main" id="{F7D53917-005D-4F3E-CF0F-5948EB1C7BB5}"/>
               </a:ext>
             </a:extLst>
           </p:cNvPr>
@@ -166,7 +166,7 @@
           <p:cNvPr id="3" name="副标题 2">
             <a:extLst>
               <a:ext uri="{FF2B5EF4-FFF2-40B4-BE49-F238E27FC236}">
-                <a16:creationId xmlns:a16="http://schemas.microsoft.com/office/drawing/2014/main" id="{CD4D4331-4930-E52D-D623-0A60119F475D}"/>
+                <a16:creationId xmlns:a16="http://schemas.microsoft.com/office/drawing/2014/main" id="{24C15E60-C532-E379-A0D2-E147FF45DCBE}"/>
               </a:ext>
             </a:extLst>
           </p:cNvPr>
@@ -236,7 +236,7 @@
           <p:cNvPr id="4" name="日期占位符 3">
             <a:extLst>
               <a:ext uri="{FF2B5EF4-FFF2-40B4-BE49-F238E27FC236}">
-                <a16:creationId xmlns:a16="http://schemas.microsoft.com/office/drawing/2014/main" id="{CD8D6268-A411-CAC2-4906-356D046952F6}"/>
+                <a16:creationId xmlns:a16="http://schemas.microsoft.com/office/drawing/2014/main" id="{D842ABC1-157D-B8CE-8921-B34392388291}"/>
               </a:ext>
             </a:extLst>
           </p:cNvPr>
@@ -252,7 +252,7 @@
           <a:bodyPr/>
           <a:lstStyle/>
           <a:p>
-            <a:fld id="{A7025F13-B11A-4339-AE93-543D4800A44D}" type="datetimeFigureOut">
+            <a:fld id="{C4A64CF1-0A4E-43B4-84B6-9E280143A53D}" type="datetimeFigureOut">
               <a:rPr lang="zh-CN" altLang="en-US" smtClean="0"/>
               <a:t>2024/3/10</a:t>
             </a:fld>
@@ -265,7 +265,7 @@
           <p:cNvPr id="5" name="页脚占位符 4">
             <a:extLst>
               <a:ext uri="{FF2B5EF4-FFF2-40B4-BE49-F238E27FC236}">
-                <a16:creationId xmlns:a16="http://schemas.microsoft.com/office/drawing/2014/main" id="{3EA5F4A6-3C03-0F55-E21F-23C09D047B14}"/>
+                <a16:creationId xmlns:a16="http://schemas.microsoft.com/office/drawing/2014/main" id="{C4848793-2E54-DB55-9A98-0991CB784949}"/>
               </a:ext>
             </a:extLst>
           </p:cNvPr>
@@ -290,7 +290,7 @@
           <p:cNvPr id="6" name="灯片编号占位符 5">
             <a:extLst>
               <a:ext uri="{FF2B5EF4-FFF2-40B4-BE49-F238E27FC236}">
-                <a16:creationId xmlns:a16="http://schemas.microsoft.com/office/drawing/2014/main" id="{2CE25959-2DE7-2177-5920-0D22474B1A17}"/>
+                <a16:creationId xmlns:a16="http://schemas.microsoft.com/office/drawing/2014/main" id="{97EC6799-3A5F-68FA-93D5-93A33FF06A43}"/>
               </a:ext>
             </a:extLst>
           </p:cNvPr>
@@ -306,7 +306,7 @@
           <a:bodyPr/>
           <a:lstStyle/>
           <a:p>
-            <a:fld id="{BF6DBFC8-40B8-4D7A-A2CC-BE39AC15C6E7}" type="slidenum">
+            <a:fld id="{DB52149D-4171-4948-817D-47D4CE26A88B}" type="slidenum">
               <a:rPr lang="zh-CN" altLang="en-US" smtClean="0"/>
               <a:t>‹#›</a:t>
             </a:fld>
@@ -317,7 +317,7 @@
     </p:spTree>
     <p:extLst>
       <p:ext uri="{BB962C8B-B14F-4D97-AF65-F5344CB8AC3E}">
-        <p14:creationId xmlns:p14="http://schemas.microsoft.com/office/powerpoint/2010/main" val="1697430024"/>
+        <p14:creationId xmlns:p14="http://schemas.microsoft.com/office/powerpoint/2010/main" val="1531081322"/>
       </p:ext>
     </p:extLst>
   </p:cSld>
@@ -349,7 +349,7 @@
           <p:cNvPr id="2" name="标题 1">
             <a:extLst>
               <a:ext uri="{FF2B5EF4-FFF2-40B4-BE49-F238E27FC236}">
-                <a16:creationId xmlns:a16="http://schemas.microsoft.com/office/drawing/2014/main" id="{1489B6BC-C293-6C95-0108-F081E8032473}"/>
+                <a16:creationId xmlns:a16="http://schemas.microsoft.com/office/drawing/2014/main" id="{D1F8ECAF-52FE-E2D1-0EA9-AE2B823EC582}"/>
               </a:ext>
             </a:extLst>
           </p:cNvPr>
@@ -377,7 +377,7 @@
           <p:cNvPr id="3" name="竖排文字占位符 2">
             <a:extLst>
               <a:ext uri="{FF2B5EF4-FFF2-40B4-BE49-F238E27FC236}">
-                <a16:creationId xmlns:a16="http://schemas.microsoft.com/office/drawing/2014/main" id="{12CD6CC3-3C49-6042-7429-5ADF6DCCFBAE}"/>
+                <a16:creationId xmlns:a16="http://schemas.microsoft.com/office/drawing/2014/main" id="{48378B68-57B5-E6D8-0F18-D36054A38692}"/>
               </a:ext>
             </a:extLst>
           </p:cNvPr>
@@ -434,7 +434,7 @@
           <p:cNvPr id="4" name="日期占位符 3">
             <a:extLst>
               <a:ext uri="{FF2B5EF4-FFF2-40B4-BE49-F238E27FC236}">
-                <a16:creationId xmlns:a16="http://schemas.microsoft.com/office/drawing/2014/main" id="{4FF1DE89-D0CA-B63E-4934-88B5A41C7791}"/>
+                <a16:creationId xmlns:a16="http://schemas.microsoft.com/office/drawing/2014/main" id="{6EEC412A-0627-9708-A7D7-F9B6D4638F83}"/>
               </a:ext>
             </a:extLst>
           </p:cNvPr>
@@ -450,7 +450,7 @@
           <a:bodyPr/>
           <a:lstStyle/>
           <a:p>
-            <a:fld id="{A7025F13-B11A-4339-AE93-543D4800A44D}" type="datetimeFigureOut">
+            <a:fld id="{C4A64CF1-0A4E-43B4-84B6-9E280143A53D}" type="datetimeFigureOut">
               <a:rPr lang="zh-CN" altLang="en-US" smtClean="0"/>
               <a:t>2024/3/10</a:t>
             </a:fld>
@@ -463,7 +463,7 @@
           <p:cNvPr id="5" name="页脚占位符 4">
             <a:extLst>
               <a:ext uri="{FF2B5EF4-FFF2-40B4-BE49-F238E27FC236}">
-                <a16:creationId xmlns:a16="http://schemas.microsoft.com/office/drawing/2014/main" id="{52E84F96-9B42-FA6A-D1D1-703DFBC5DB79}"/>
+                <a16:creationId xmlns:a16="http://schemas.microsoft.com/office/drawing/2014/main" id="{D62F3A4C-CE56-E88A-90BE-23C115B3F25C}"/>
               </a:ext>
             </a:extLst>
           </p:cNvPr>
@@ -488,7 +488,7 @@
           <p:cNvPr id="6" name="灯片编号占位符 5">
             <a:extLst>
               <a:ext uri="{FF2B5EF4-FFF2-40B4-BE49-F238E27FC236}">
-                <a16:creationId xmlns:a16="http://schemas.microsoft.com/office/drawing/2014/main" id="{E8DA62F6-FD6D-B76E-D00A-1B870E778280}"/>
+                <a16:creationId xmlns:a16="http://schemas.microsoft.com/office/drawing/2014/main" id="{A4C48482-9FD2-4BA1-69C5-BCADF7209B39}"/>
               </a:ext>
             </a:extLst>
           </p:cNvPr>
@@ -504,7 +504,7 @@
           <a:bodyPr/>
           <a:lstStyle/>
           <a:p>
-            <a:fld id="{BF6DBFC8-40B8-4D7A-A2CC-BE39AC15C6E7}" type="slidenum">
+            <a:fld id="{DB52149D-4171-4948-817D-47D4CE26A88B}" type="slidenum">
               <a:rPr lang="zh-CN" altLang="en-US" smtClean="0"/>
               <a:t>‹#›</a:t>
             </a:fld>
@@ -515,7 +515,7 @@
     </p:spTree>
     <p:extLst>
       <p:ext uri="{BB962C8B-B14F-4D97-AF65-F5344CB8AC3E}">
-        <p14:creationId xmlns:p14="http://schemas.microsoft.com/office/powerpoint/2010/main" val="854954014"/>
+        <p14:creationId xmlns:p14="http://schemas.microsoft.com/office/powerpoint/2010/main" val="2804284936"/>
       </p:ext>
     </p:extLst>
   </p:cSld>
@@ -547,7 +547,7 @@
           <p:cNvPr id="2" name="竖排标题 1">
             <a:extLst>
               <a:ext uri="{FF2B5EF4-FFF2-40B4-BE49-F238E27FC236}">
-                <a16:creationId xmlns:a16="http://schemas.microsoft.com/office/drawing/2014/main" id="{FB90FCE5-CB8D-6063-678D-8B99C9EA7086}"/>
+                <a16:creationId xmlns:a16="http://schemas.microsoft.com/office/drawing/2014/main" id="{6C27691C-4E1F-6154-47E2-675792ECAA10}"/>
               </a:ext>
             </a:extLst>
           </p:cNvPr>
@@ -580,7 +580,7 @@
           <p:cNvPr id="3" name="竖排文字占位符 2">
             <a:extLst>
               <a:ext uri="{FF2B5EF4-FFF2-40B4-BE49-F238E27FC236}">
-                <a16:creationId xmlns:a16="http://schemas.microsoft.com/office/drawing/2014/main" id="{242A7DCF-C5F5-0F35-6BD8-F16275CD3779}"/>
+                <a16:creationId xmlns:a16="http://schemas.microsoft.com/office/drawing/2014/main" id="{BB102E5C-81DE-F4C3-97A8-A761DCB1C3AF}"/>
               </a:ext>
             </a:extLst>
           </p:cNvPr>
@@ -642,7 +642,7 @@
           <p:cNvPr id="4" name="日期占位符 3">
             <a:extLst>
               <a:ext uri="{FF2B5EF4-FFF2-40B4-BE49-F238E27FC236}">
-                <a16:creationId xmlns:a16="http://schemas.microsoft.com/office/drawing/2014/main" id="{DA7C4738-7D9E-D2AA-EF0A-72EEF14A15A8}"/>
+                <a16:creationId xmlns:a16="http://schemas.microsoft.com/office/drawing/2014/main" id="{2250E655-8F28-FF38-FD58-1FA6E9E0CED9}"/>
               </a:ext>
             </a:extLst>
           </p:cNvPr>
@@ -658,7 +658,7 @@
           <a:bodyPr/>
           <a:lstStyle/>
           <a:p>
-            <a:fld id="{A7025F13-B11A-4339-AE93-543D4800A44D}" type="datetimeFigureOut">
+            <a:fld id="{C4A64CF1-0A4E-43B4-84B6-9E280143A53D}" type="datetimeFigureOut">
               <a:rPr lang="zh-CN" altLang="en-US" smtClean="0"/>
               <a:t>2024/3/10</a:t>
             </a:fld>
@@ -671,7 +671,7 @@
           <p:cNvPr id="5" name="页脚占位符 4">
             <a:extLst>
               <a:ext uri="{FF2B5EF4-FFF2-40B4-BE49-F238E27FC236}">
-                <a16:creationId xmlns:a16="http://schemas.microsoft.com/office/drawing/2014/main" id="{EB1647C4-9592-8720-A292-654AA49684B3}"/>
+                <a16:creationId xmlns:a16="http://schemas.microsoft.com/office/drawing/2014/main" id="{551455AD-FD83-89DA-375B-02E266589397}"/>
               </a:ext>
             </a:extLst>
           </p:cNvPr>
@@ -696,7 +696,7 @@
           <p:cNvPr id="6" name="灯片编号占位符 5">
             <a:extLst>
               <a:ext uri="{FF2B5EF4-FFF2-40B4-BE49-F238E27FC236}">
-                <a16:creationId xmlns:a16="http://schemas.microsoft.com/office/drawing/2014/main" id="{FEE7C3AD-FDE4-D03A-3CD8-B0DCC4B9A8A3}"/>
+                <a16:creationId xmlns:a16="http://schemas.microsoft.com/office/drawing/2014/main" id="{698023AE-4353-0AFA-2B13-1EBE60C210C2}"/>
               </a:ext>
             </a:extLst>
           </p:cNvPr>
@@ -712,7 +712,7 @@
           <a:bodyPr/>
           <a:lstStyle/>
           <a:p>
-            <a:fld id="{BF6DBFC8-40B8-4D7A-A2CC-BE39AC15C6E7}" type="slidenum">
+            <a:fld id="{DB52149D-4171-4948-817D-47D4CE26A88B}" type="slidenum">
               <a:rPr lang="zh-CN" altLang="en-US" smtClean="0"/>
               <a:t>‹#›</a:t>
             </a:fld>
@@ -723,7 +723,7 @@
     </p:spTree>
     <p:extLst>
       <p:ext uri="{BB962C8B-B14F-4D97-AF65-F5344CB8AC3E}">
-        <p14:creationId xmlns:p14="http://schemas.microsoft.com/office/powerpoint/2010/main" val="3004378138"/>
+        <p14:creationId xmlns:p14="http://schemas.microsoft.com/office/powerpoint/2010/main" val="1479246171"/>
       </p:ext>
     </p:extLst>
   </p:cSld>
@@ -755,7 +755,7 @@
           <p:cNvPr id="2" name="标题 1">
             <a:extLst>
               <a:ext uri="{FF2B5EF4-FFF2-40B4-BE49-F238E27FC236}">
-                <a16:creationId xmlns:a16="http://schemas.microsoft.com/office/drawing/2014/main" id="{FBE96416-9CDF-A2A2-2FB2-287A1D4042BD}"/>
+                <a16:creationId xmlns:a16="http://schemas.microsoft.com/office/drawing/2014/main" id="{A2B6678A-D248-1C81-05E0-5AC42717F6B1}"/>
               </a:ext>
             </a:extLst>
           </p:cNvPr>
@@ -783,7 +783,7 @@
           <p:cNvPr id="3" name="内容占位符 2">
             <a:extLst>
               <a:ext uri="{FF2B5EF4-FFF2-40B4-BE49-F238E27FC236}">
-                <a16:creationId xmlns:a16="http://schemas.microsoft.com/office/drawing/2014/main" id="{8D7B7347-65A8-FD56-FEE9-61378FC13F92}"/>
+                <a16:creationId xmlns:a16="http://schemas.microsoft.com/office/drawing/2014/main" id="{A1480AF5-0716-E4BF-C5D1-51B6A45B9660}"/>
               </a:ext>
             </a:extLst>
           </p:cNvPr>
@@ -840,7 +840,7 @@
           <p:cNvPr id="4" name="日期占位符 3">
             <a:extLst>
               <a:ext uri="{FF2B5EF4-FFF2-40B4-BE49-F238E27FC236}">
-                <a16:creationId xmlns:a16="http://schemas.microsoft.com/office/drawing/2014/main" id="{436630FB-F887-E0D5-BF0E-04671D2DC92C}"/>
+                <a16:creationId xmlns:a16="http://schemas.microsoft.com/office/drawing/2014/main" id="{1F9C1682-BFFA-6786-557D-479D21F82FBE}"/>
               </a:ext>
             </a:extLst>
           </p:cNvPr>
@@ -856,7 +856,7 @@
           <a:bodyPr/>
           <a:lstStyle/>
           <a:p>
-            <a:fld id="{A7025F13-B11A-4339-AE93-543D4800A44D}" type="datetimeFigureOut">
+            <a:fld id="{C4A64CF1-0A4E-43B4-84B6-9E280143A53D}" type="datetimeFigureOut">
               <a:rPr lang="zh-CN" altLang="en-US" smtClean="0"/>
               <a:t>2024/3/10</a:t>
             </a:fld>
@@ -869,7 +869,7 @@
           <p:cNvPr id="5" name="页脚占位符 4">
             <a:extLst>
               <a:ext uri="{FF2B5EF4-FFF2-40B4-BE49-F238E27FC236}">
-                <a16:creationId xmlns:a16="http://schemas.microsoft.com/office/drawing/2014/main" id="{6C5E8220-2AB9-2AE3-2E6D-C4D5735CC5E4}"/>
+                <a16:creationId xmlns:a16="http://schemas.microsoft.com/office/drawing/2014/main" id="{944809DF-9CDA-50F6-4B88-67950A70A43B}"/>
               </a:ext>
             </a:extLst>
           </p:cNvPr>
@@ -894,7 +894,7 @@
           <p:cNvPr id="6" name="灯片编号占位符 5">
             <a:extLst>
               <a:ext uri="{FF2B5EF4-FFF2-40B4-BE49-F238E27FC236}">
-                <a16:creationId xmlns:a16="http://schemas.microsoft.com/office/drawing/2014/main" id="{A901E01E-B27A-02D9-7E1A-3C10F4446829}"/>
+                <a16:creationId xmlns:a16="http://schemas.microsoft.com/office/drawing/2014/main" id="{A98A8B45-86FA-5018-2B6C-7D85CDFFD61B}"/>
               </a:ext>
             </a:extLst>
           </p:cNvPr>
@@ -910,7 +910,7 @@
           <a:bodyPr/>
           <a:lstStyle/>
           <a:p>
-            <a:fld id="{BF6DBFC8-40B8-4D7A-A2CC-BE39AC15C6E7}" type="slidenum">
+            <a:fld id="{DB52149D-4171-4948-817D-47D4CE26A88B}" type="slidenum">
               <a:rPr lang="zh-CN" altLang="en-US" smtClean="0"/>
               <a:t>‹#›</a:t>
             </a:fld>
@@ -921,7 +921,7 @@
     </p:spTree>
     <p:extLst>
       <p:ext uri="{BB962C8B-B14F-4D97-AF65-F5344CB8AC3E}">
-        <p14:creationId xmlns:p14="http://schemas.microsoft.com/office/powerpoint/2010/main" val="2050506361"/>
+        <p14:creationId xmlns:p14="http://schemas.microsoft.com/office/powerpoint/2010/main" val="2323733293"/>
       </p:ext>
     </p:extLst>
   </p:cSld>
@@ -953,7 +953,7 @@
           <p:cNvPr id="2" name="标题 1">
             <a:extLst>
               <a:ext uri="{FF2B5EF4-FFF2-40B4-BE49-F238E27FC236}">
-                <a16:creationId xmlns:a16="http://schemas.microsoft.com/office/drawing/2014/main" id="{10EB1717-B161-CEA1-2D35-9D62F33D14B9}"/>
+                <a16:creationId xmlns:a16="http://schemas.microsoft.com/office/drawing/2014/main" id="{660CB093-2B05-0290-D0A1-9784B2369501}"/>
               </a:ext>
             </a:extLst>
           </p:cNvPr>
@@ -990,7 +990,7 @@
           <p:cNvPr id="3" name="文本占位符 2">
             <a:extLst>
               <a:ext uri="{FF2B5EF4-FFF2-40B4-BE49-F238E27FC236}">
-                <a16:creationId xmlns:a16="http://schemas.microsoft.com/office/drawing/2014/main" id="{2EB497A0-2155-2C2C-DE8E-A43F2E321C05}"/>
+                <a16:creationId xmlns:a16="http://schemas.microsoft.com/office/drawing/2014/main" id="{70F5A892-2868-3003-ED27-E87BD2102F7C}"/>
               </a:ext>
             </a:extLst>
           </p:cNvPr>
@@ -1115,7 +1115,7 @@
           <p:cNvPr id="4" name="日期占位符 3">
             <a:extLst>
               <a:ext uri="{FF2B5EF4-FFF2-40B4-BE49-F238E27FC236}">
-                <a16:creationId xmlns:a16="http://schemas.microsoft.com/office/drawing/2014/main" id="{AD60772E-54A7-6A72-CA97-3D0B05AC02F9}"/>
+                <a16:creationId xmlns:a16="http://schemas.microsoft.com/office/drawing/2014/main" id="{776136C0-6FB7-F7AA-7238-392A8C0AE221}"/>
               </a:ext>
             </a:extLst>
           </p:cNvPr>
@@ -1131,7 +1131,7 @@
           <a:bodyPr/>
           <a:lstStyle/>
           <a:p>
-            <a:fld id="{A7025F13-B11A-4339-AE93-543D4800A44D}" type="datetimeFigureOut">
+            <a:fld id="{C4A64CF1-0A4E-43B4-84B6-9E280143A53D}" type="datetimeFigureOut">
               <a:rPr lang="zh-CN" altLang="en-US" smtClean="0"/>
               <a:t>2024/3/10</a:t>
             </a:fld>
@@ -1144,7 +1144,7 @@
           <p:cNvPr id="5" name="页脚占位符 4">
             <a:extLst>
               <a:ext uri="{FF2B5EF4-FFF2-40B4-BE49-F238E27FC236}">
-                <a16:creationId xmlns:a16="http://schemas.microsoft.com/office/drawing/2014/main" id="{B3EE5A43-076D-84B5-994E-9546C1BCD73E}"/>
+                <a16:creationId xmlns:a16="http://schemas.microsoft.com/office/drawing/2014/main" id="{9A34FE7D-AB6F-75C1-DD50-F086BFEB18E7}"/>
               </a:ext>
             </a:extLst>
           </p:cNvPr>
@@ -1169,7 +1169,7 @@
           <p:cNvPr id="6" name="灯片编号占位符 5">
             <a:extLst>
               <a:ext uri="{FF2B5EF4-FFF2-40B4-BE49-F238E27FC236}">
-                <a16:creationId xmlns:a16="http://schemas.microsoft.com/office/drawing/2014/main" id="{B5E14131-AE0B-ABB4-B832-80098C88FCC5}"/>
+                <a16:creationId xmlns:a16="http://schemas.microsoft.com/office/drawing/2014/main" id="{8106BC5D-7162-3DDD-2406-343BDAE02C6C}"/>
               </a:ext>
             </a:extLst>
           </p:cNvPr>
@@ -1185,7 +1185,7 @@
           <a:bodyPr/>
           <a:lstStyle/>
           <a:p>
-            <a:fld id="{BF6DBFC8-40B8-4D7A-A2CC-BE39AC15C6E7}" type="slidenum">
+            <a:fld id="{DB52149D-4171-4948-817D-47D4CE26A88B}" type="slidenum">
               <a:rPr lang="zh-CN" altLang="en-US" smtClean="0"/>
               <a:t>‹#›</a:t>
             </a:fld>
@@ -1196,7 +1196,7 @@
     </p:spTree>
     <p:extLst>
       <p:ext uri="{BB962C8B-B14F-4D97-AF65-F5344CB8AC3E}">
-        <p14:creationId xmlns:p14="http://schemas.microsoft.com/office/powerpoint/2010/main" val="4187452510"/>
+        <p14:creationId xmlns:p14="http://schemas.microsoft.com/office/powerpoint/2010/main" val="1283089686"/>
       </p:ext>
     </p:extLst>
   </p:cSld>
@@ -1228,7 +1228,7 @@
           <p:cNvPr id="2" name="标题 1">
             <a:extLst>
               <a:ext uri="{FF2B5EF4-FFF2-40B4-BE49-F238E27FC236}">
-                <a16:creationId xmlns:a16="http://schemas.microsoft.com/office/drawing/2014/main" id="{A50EC580-94A7-95A7-B3DC-D99C7BC8AC5F}"/>
+                <a16:creationId xmlns:a16="http://schemas.microsoft.com/office/drawing/2014/main" id="{A06FBA3F-71F9-04BB-B777-A4E2B673B190}"/>
               </a:ext>
             </a:extLst>
           </p:cNvPr>
@@ -1256,7 +1256,7 @@
           <p:cNvPr id="3" name="内容占位符 2">
             <a:extLst>
               <a:ext uri="{FF2B5EF4-FFF2-40B4-BE49-F238E27FC236}">
-                <a16:creationId xmlns:a16="http://schemas.microsoft.com/office/drawing/2014/main" id="{59D32E5F-8859-7BE7-D625-4925965F714E}"/>
+                <a16:creationId xmlns:a16="http://schemas.microsoft.com/office/drawing/2014/main" id="{D5DABAB3-6C96-7DD5-CA11-2DBE3B7F4BC3}"/>
               </a:ext>
             </a:extLst>
           </p:cNvPr>
@@ -1318,7 +1318,7 @@
           <p:cNvPr id="4" name="内容占位符 3">
             <a:extLst>
               <a:ext uri="{FF2B5EF4-FFF2-40B4-BE49-F238E27FC236}">
-                <a16:creationId xmlns:a16="http://schemas.microsoft.com/office/drawing/2014/main" id="{118C6A8D-75B0-499E-13F0-5228F8C390F9}"/>
+                <a16:creationId xmlns:a16="http://schemas.microsoft.com/office/drawing/2014/main" id="{55C17BE5-BBDB-4263-1654-92DA7E60DA56}"/>
               </a:ext>
             </a:extLst>
           </p:cNvPr>
@@ -1380,7 +1380,7 @@
           <p:cNvPr id="5" name="日期占位符 4">
             <a:extLst>
               <a:ext uri="{FF2B5EF4-FFF2-40B4-BE49-F238E27FC236}">
-                <a16:creationId xmlns:a16="http://schemas.microsoft.com/office/drawing/2014/main" id="{31C69339-9068-9F1C-823B-0A506F034F92}"/>
+                <a16:creationId xmlns:a16="http://schemas.microsoft.com/office/drawing/2014/main" id="{D27CC803-B0F7-55A3-F02D-867C4A8879A3}"/>
               </a:ext>
             </a:extLst>
           </p:cNvPr>
@@ -1396,7 +1396,7 @@
           <a:bodyPr/>
           <a:lstStyle/>
           <a:p>
-            <a:fld id="{A7025F13-B11A-4339-AE93-543D4800A44D}" type="datetimeFigureOut">
+            <a:fld id="{C4A64CF1-0A4E-43B4-84B6-9E280143A53D}" type="datetimeFigureOut">
               <a:rPr lang="zh-CN" altLang="en-US" smtClean="0"/>
               <a:t>2024/3/10</a:t>
             </a:fld>
@@ -1409,7 +1409,7 @@
           <p:cNvPr id="6" name="页脚占位符 5">
             <a:extLst>
               <a:ext uri="{FF2B5EF4-FFF2-40B4-BE49-F238E27FC236}">
-                <a16:creationId xmlns:a16="http://schemas.microsoft.com/office/drawing/2014/main" id="{BACCA096-CF49-2394-201A-6C24E3FFC8B7}"/>
+                <a16:creationId xmlns:a16="http://schemas.microsoft.com/office/drawing/2014/main" id="{4A27062A-0BF9-3D54-FE75-AAEB72F4C06C}"/>
               </a:ext>
             </a:extLst>
           </p:cNvPr>
@@ -1434,7 +1434,7 @@
           <p:cNvPr id="7" name="灯片编号占位符 6">
             <a:extLst>
               <a:ext uri="{FF2B5EF4-FFF2-40B4-BE49-F238E27FC236}">
-                <a16:creationId xmlns:a16="http://schemas.microsoft.com/office/drawing/2014/main" id="{A30BBF7D-CBEA-A235-F510-FC27F1BC33AA}"/>
+                <a16:creationId xmlns:a16="http://schemas.microsoft.com/office/drawing/2014/main" id="{E03B42F8-E47C-FFFB-B057-F30A531FB449}"/>
               </a:ext>
             </a:extLst>
           </p:cNvPr>
@@ -1450,7 +1450,7 @@
           <a:bodyPr/>
           <a:lstStyle/>
           <a:p>
-            <a:fld id="{BF6DBFC8-40B8-4D7A-A2CC-BE39AC15C6E7}" type="slidenum">
+            <a:fld id="{DB52149D-4171-4948-817D-47D4CE26A88B}" type="slidenum">
               <a:rPr lang="zh-CN" altLang="en-US" smtClean="0"/>
               <a:t>‹#›</a:t>
             </a:fld>
@@ -1461,7 +1461,7 @@
     </p:spTree>
     <p:extLst>
       <p:ext uri="{BB962C8B-B14F-4D97-AF65-F5344CB8AC3E}">
-        <p14:creationId xmlns:p14="http://schemas.microsoft.com/office/powerpoint/2010/main" val="4258227927"/>
+        <p14:creationId xmlns:p14="http://schemas.microsoft.com/office/powerpoint/2010/main" val="3403489491"/>
       </p:ext>
     </p:extLst>
   </p:cSld>
@@ -1493,7 +1493,7 @@
           <p:cNvPr id="2" name="标题 1">
             <a:extLst>
               <a:ext uri="{FF2B5EF4-FFF2-40B4-BE49-F238E27FC236}">
-                <a16:creationId xmlns:a16="http://schemas.microsoft.com/office/drawing/2014/main" id="{F6EE2901-39CF-D8E2-E3EA-E3FF606FA521}"/>
+                <a16:creationId xmlns:a16="http://schemas.microsoft.com/office/drawing/2014/main" id="{372376D3-7AA2-4D39-31A1-5C4E5BEC8C50}"/>
               </a:ext>
             </a:extLst>
           </p:cNvPr>
@@ -1526,7 +1526,7 @@
           <p:cNvPr id="3" name="文本占位符 2">
             <a:extLst>
               <a:ext uri="{FF2B5EF4-FFF2-40B4-BE49-F238E27FC236}">
-                <a16:creationId xmlns:a16="http://schemas.microsoft.com/office/drawing/2014/main" id="{8719AD7C-873F-2B54-434F-E8D7477DE828}"/>
+                <a16:creationId xmlns:a16="http://schemas.microsoft.com/office/drawing/2014/main" id="{B851EA05-CECB-231A-6B2B-7188052BB167}"/>
               </a:ext>
             </a:extLst>
           </p:cNvPr>
@@ -1597,7 +1597,7 @@
           <p:cNvPr id="4" name="内容占位符 3">
             <a:extLst>
               <a:ext uri="{FF2B5EF4-FFF2-40B4-BE49-F238E27FC236}">
-                <a16:creationId xmlns:a16="http://schemas.microsoft.com/office/drawing/2014/main" id="{0615601E-392C-EC95-F42A-9D6E6F960279}"/>
+                <a16:creationId xmlns:a16="http://schemas.microsoft.com/office/drawing/2014/main" id="{8943674D-DB6B-F4B7-2EE1-F4547408A353}"/>
               </a:ext>
             </a:extLst>
           </p:cNvPr>
@@ -1659,7 +1659,7 @@
           <p:cNvPr id="5" name="文本占位符 4">
             <a:extLst>
               <a:ext uri="{FF2B5EF4-FFF2-40B4-BE49-F238E27FC236}">
-                <a16:creationId xmlns:a16="http://schemas.microsoft.com/office/drawing/2014/main" id="{451436F1-2998-2B3D-CE50-3FFBC6857BB9}"/>
+                <a16:creationId xmlns:a16="http://schemas.microsoft.com/office/drawing/2014/main" id="{3D71E726-40E2-87E5-745A-C80C4950F457}"/>
               </a:ext>
             </a:extLst>
           </p:cNvPr>
@@ -1730,7 +1730,7 @@
           <p:cNvPr id="6" name="内容占位符 5">
             <a:extLst>
               <a:ext uri="{FF2B5EF4-FFF2-40B4-BE49-F238E27FC236}">
-                <a16:creationId xmlns:a16="http://schemas.microsoft.com/office/drawing/2014/main" id="{B2E9230E-683D-8F18-22DB-836AEFB0E70F}"/>
+                <a16:creationId xmlns:a16="http://schemas.microsoft.com/office/drawing/2014/main" id="{9BC5D028-05AE-10E2-B44B-FA2DDC7D50C4}"/>
               </a:ext>
             </a:extLst>
           </p:cNvPr>
@@ -1792,7 +1792,7 @@
           <p:cNvPr id="7" name="日期占位符 6">
             <a:extLst>
               <a:ext uri="{FF2B5EF4-FFF2-40B4-BE49-F238E27FC236}">
-                <a16:creationId xmlns:a16="http://schemas.microsoft.com/office/drawing/2014/main" id="{3AAE6D50-3AF7-265C-14D1-99CA23E471E4}"/>
+                <a16:creationId xmlns:a16="http://schemas.microsoft.com/office/drawing/2014/main" id="{E9956D47-8813-C407-7B45-63C290F2B09C}"/>
               </a:ext>
             </a:extLst>
           </p:cNvPr>
@@ -1808,7 +1808,7 @@
           <a:bodyPr/>
           <a:lstStyle/>
           <a:p>
-            <a:fld id="{A7025F13-B11A-4339-AE93-543D4800A44D}" type="datetimeFigureOut">
+            <a:fld id="{C4A64CF1-0A4E-43B4-84B6-9E280143A53D}" type="datetimeFigureOut">
               <a:rPr lang="zh-CN" altLang="en-US" smtClean="0"/>
               <a:t>2024/3/10</a:t>
             </a:fld>
@@ -1821,7 +1821,7 @@
           <p:cNvPr id="8" name="页脚占位符 7">
             <a:extLst>
               <a:ext uri="{FF2B5EF4-FFF2-40B4-BE49-F238E27FC236}">
-                <a16:creationId xmlns:a16="http://schemas.microsoft.com/office/drawing/2014/main" id="{7CD67E14-C35B-A031-4E20-61C888827C69}"/>
+                <a16:creationId xmlns:a16="http://schemas.microsoft.com/office/drawing/2014/main" id="{FA806B23-477C-3156-FEA9-F83D13046817}"/>
               </a:ext>
             </a:extLst>
           </p:cNvPr>
@@ -1846,7 +1846,7 @@
           <p:cNvPr id="9" name="灯片编号占位符 8">
             <a:extLst>
               <a:ext uri="{FF2B5EF4-FFF2-40B4-BE49-F238E27FC236}">
-                <a16:creationId xmlns:a16="http://schemas.microsoft.com/office/drawing/2014/main" id="{79B0E2EF-8D6D-5CB8-E234-88E8124E3DF3}"/>
+                <a16:creationId xmlns:a16="http://schemas.microsoft.com/office/drawing/2014/main" id="{A750AFCD-9F55-3E3E-3C35-33B1449A2478}"/>
               </a:ext>
             </a:extLst>
           </p:cNvPr>
@@ -1862,7 +1862,7 @@
           <a:bodyPr/>
           <a:lstStyle/>
           <a:p>
-            <a:fld id="{BF6DBFC8-40B8-4D7A-A2CC-BE39AC15C6E7}" type="slidenum">
+            <a:fld id="{DB52149D-4171-4948-817D-47D4CE26A88B}" type="slidenum">
               <a:rPr lang="zh-CN" altLang="en-US" smtClean="0"/>
               <a:t>‹#›</a:t>
             </a:fld>
@@ -1873,7 +1873,7 @@
     </p:spTree>
     <p:extLst>
       <p:ext uri="{BB962C8B-B14F-4D97-AF65-F5344CB8AC3E}">
-        <p14:creationId xmlns:p14="http://schemas.microsoft.com/office/powerpoint/2010/main" val="2579044919"/>
+        <p14:creationId xmlns:p14="http://schemas.microsoft.com/office/powerpoint/2010/main" val="972112613"/>
       </p:ext>
     </p:extLst>
   </p:cSld>
@@ -1905,7 +1905,7 @@
           <p:cNvPr id="2" name="标题 1">
             <a:extLst>
               <a:ext uri="{FF2B5EF4-FFF2-40B4-BE49-F238E27FC236}">
-                <a16:creationId xmlns:a16="http://schemas.microsoft.com/office/drawing/2014/main" id="{F8972A83-A0EC-0FD3-7F6E-B2F296F8D637}"/>
+                <a16:creationId xmlns:a16="http://schemas.microsoft.com/office/drawing/2014/main" id="{7FAE6972-0157-19DA-0256-EF53CAA09D50}"/>
               </a:ext>
             </a:extLst>
           </p:cNvPr>
@@ -1933,7 +1933,7 @@
           <p:cNvPr id="3" name="日期占位符 2">
             <a:extLst>
               <a:ext uri="{FF2B5EF4-FFF2-40B4-BE49-F238E27FC236}">
-                <a16:creationId xmlns:a16="http://schemas.microsoft.com/office/drawing/2014/main" id="{5409987F-67CD-A68E-D810-E871C7B2ADB6}"/>
+                <a16:creationId xmlns:a16="http://schemas.microsoft.com/office/drawing/2014/main" id="{B5B589AD-DEA5-6E49-7AFB-A1DD67619C47}"/>
               </a:ext>
             </a:extLst>
           </p:cNvPr>
@@ -1949,7 +1949,7 @@
           <a:bodyPr/>
           <a:lstStyle/>
           <a:p>
-            <a:fld id="{A7025F13-B11A-4339-AE93-543D4800A44D}" type="datetimeFigureOut">
+            <a:fld id="{C4A64CF1-0A4E-43B4-84B6-9E280143A53D}" type="datetimeFigureOut">
               <a:rPr lang="zh-CN" altLang="en-US" smtClean="0"/>
               <a:t>2024/3/10</a:t>
             </a:fld>
@@ -1962,7 +1962,7 @@
           <p:cNvPr id="4" name="页脚占位符 3">
             <a:extLst>
               <a:ext uri="{FF2B5EF4-FFF2-40B4-BE49-F238E27FC236}">
-                <a16:creationId xmlns:a16="http://schemas.microsoft.com/office/drawing/2014/main" id="{52FA60FD-6912-36BB-1A44-E3F596A3A937}"/>
+                <a16:creationId xmlns:a16="http://schemas.microsoft.com/office/drawing/2014/main" id="{5753ACA5-053E-4A2D-F2CB-8F44354856A7}"/>
               </a:ext>
             </a:extLst>
           </p:cNvPr>
@@ -1987,7 +1987,7 @@
           <p:cNvPr id="5" name="灯片编号占位符 4">
             <a:extLst>
               <a:ext uri="{FF2B5EF4-FFF2-40B4-BE49-F238E27FC236}">
-                <a16:creationId xmlns:a16="http://schemas.microsoft.com/office/drawing/2014/main" id="{ED4105AE-73AD-901E-A201-0C2CD38B50E8}"/>
+                <a16:creationId xmlns:a16="http://schemas.microsoft.com/office/drawing/2014/main" id="{B1F6F376-9995-3887-CBED-D8118842C487}"/>
               </a:ext>
             </a:extLst>
           </p:cNvPr>
@@ -2003,7 +2003,7 @@
           <a:bodyPr/>
           <a:lstStyle/>
           <a:p>
-            <a:fld id="{BF6DBFC8-40B8-4D7A-A2CC-BE39AC15C6E7}" type="slidenum">
+            <a:fld id="{DB52149D-4171-4948-817D-47D4CE26A88B}" type="slidenum">
               <a:rPr lang="zh-CN" altLang="en-US" smtClean="0"/>
               <a:t>‹#›</a:t>
             </a:fld>
@@ -2014,7 +2014,7 @@
     </p:spTree>
     <p:extLst>
       <p:ext uri="{BB962C8B-B14F-4D97-AF65-F5344CB8AC3E}">
-        <p14:creationId xmlns:p14="http://schemas.microsoft.com/office/powerpoint/2010/main" val="2377216814"/>
+        <p14:creationId xmlns:p14="http://schemas.microsoft.com/office/powerpoint/2010/main" val="2428742133"/>
       </p:ext>
     </p:extLst>
   </p:cSld>
@@ -2046,7 +2046,7 @@
           <p:cNvPr id="2" name="日期占位符 1">
             <a:extLst>
               <a:ext uri="{FF2B5EF4-FFF2-40B4-BE49-F238E27FC236}">
-                <a16:creationId xmlns:a16="http://schemas.microsoft.com/office/drawing/2014/main" id="{0113610C-9CDD-3F02-F85C-55E70C09148E}"/>
+                <a16:creationId xmlns:a16="http://schemas.microsoft.com/office/drawing/2014/main" id="{217A6279-4E04-D855-B544-74971C308289}"/>
               </a:ext>
             </a:extLst>
           </p:cNvPr>
@@ -2062,7 +2062,7 @@
           <a:bodyPr/>
           <a:lstStyle/>
           <a:p>
-            <a:fld id="{A7025F13-B11A-4339-AE93-543D4800A44D}" type="datetimeFigureOut">
+            <a:fld id="{C4A64CF1-0A4E-43B4-84B6-9E280143A53D}" type="datetimeFigureOut">
               <a:rPr lang="zh-CN" altLang="en-US" smtClean="0"/>
               <a:t>2024/3/10</a:t>
             </a:fld>
@@ -2075,7 +2075,7 @@
           <p:cNvPr id="3" name="页脚占位符 2">
             <a:extLst>
               <a:ext uri="{FF2B5EF4-FFF2-40B4-BE49-F238E27FC236}">
-                <a16:creationId xmlns:a16="http://schemas.microsoft.com/office/drawing/2014/main" id="{38C6D5E7-C25E-7CCD-8BCB-CA9DF7D594BC}"/>
+                <a16:creationId xmlns:a16="http://schemas.microsoft.com/office/drawing/2014/main" id="{322654D5-4134-F438-52CE-FBBE287534B7}"/>
               </a:ext>
             </a:extLst>
           </p:cNvPr>
@@ -2100,7 +2100,7 @@
           <p:cNvPr id="4" name="灯片编号占位符 3">
             <a:extLst>
               <a:ext uri="{FF2B5EF4-FFF2-40B4-BE49-F238E27FC236}">
-                <a16:creationId xmlns:a16="http://schemas.microsoft.com/office/drawing/2014/main" id="{287A5593-BE5A-9E58-D6CC-9854C0F38CC3}"/>
+                <a16:creationId xmlns:a16="http://schemas.microsoft.com/office/drawing/2014/main" id="{0982B671-F2C6-F81C-1794-7876CBAEDA3C}"/>
               </a:ext>
             </a:extLst>
           </p:cNvPr>
@@ -2116,7 +2116,7 @@
           <a:bodyPr/>
           <a:lstStyle/>
           <a:p>
-            <a:fld id="{BF6DBFC8-40B8-4D7A-A2CC-BE39AC15C6E7}" type="slidenum">
+            <a:fld id="{DB52149D-4171-4948-817D-47D4CE26A88B}" type="slidenum">
               <a:rPr lang="zh-CN" altLang="en-US" smtClean="0"/>
               <a:t>‹#›</a:t>
             </a:fld>
@@ -2127,7 +2127,7 @@
     </p:spTree>
     <p:extLst>
       <p:ext uri="{BB962C8B-B14F-4D97-AF65-F5344CB8AC3E}">
-        <p14:creationId xmlns:p14="http://schemas.microsoft.com/office/powerpoint/2010/main" val="1327821685"/>
+        <p14:creationId xmlns:p14="http://schemas.microsoft.com/office/powerpoint/2010/main" val="3011696369"/>
       </p:ext>
     </p:extLst>
   </p:cSld>
@@ -2159,7 +2159,7 @@
           <p:cNvPr id="2" name="标题 1">
             <a:extLst>
               <a:ext uri="{FF2B5EF4-FFF2-40B4-BE49-F238E27FC236}">
-                <a16:creationId xmlns:a16="http://schemas.microsoft.com/office/drawing/2014/main" id="{BD60F284-382F-6034-AF95-F2699FAF1AD2}"/>
+                <a16:creationId xmlns:a16="http://schemas.microsoft.com/office/drawing/2014/main" id="{C8D656A3-09FC-91E7-FB6A-7637051DAD9E}"/>
               </a:ext>
             </a:extLst>
           </p:cNvPr>
@@ -2196,7 +2196,7 @@
           <p:cNvPr id="3" name="内容占位符 2">
             <a:extLst>
               <a:ext uri="{FF2B5EF4-FFF2-40B4-BE49-F238E27FC236}">
-                <a16:creationId xmlns:a16="http://schemas.microsoft.com/office/drawing/2014/main" id="{164837D8-4D71-2654-26CB-7182AE6D9352}"/>
+                <a16:creationId xmlns:a16="http://schemas.microsoft.com/office/drawing/2014/main" id="{F0AA2CF3-509D-1EA9-216D-3B9A9C75B81B}"/>
               </a:ext>
             </a:extLst>
           </p:cNvPr>
@@ -2286,7 +2286,7 @@
           <p:cNvPr id="4" name="文本占位符 3">
             <a:extLst>
               <a:ext uri="{FF2B5EF4-FFF2-40B4-BE49-F238E27FC236}">
-                <a16:creationId xmlns:a16="http://schemas.microsoft.com/office/drawing/2014/main" id="{3E14D7CE-D373-2C72-094F-056FDD499D83}"/>
+                <a16:creationId xmlns:a16="http://schemas.microsoft.com/office/drawing/2014/main" id="{8A8FAEB0-A4F1-0C6C-A5A8-F3278DB68B3E}"/>
               </a:ext>
             </a:extLst>
           </p:cNvPr>
@@ -2357,7 +2357,7 @@
           <p:cNvPr id="5" name="日期占位符 4">
             <a:extLst>
               <a:ext uri="{FF2B5EF4-FFF2-40B4-BE49-F238E27FC236}">
-                <a16:creationId xmlns:a16="http://schemas.microsoft.com/office/drawing/2014/main" id="{36CA85CD-35FC-65B9-3695-9EE3ADB0CE3C}"/>
+                <a16:creationId xmlns:a16="http://schemas.microsoft.com/office/drawing/2014/main" id="{60D5EC31-C3B6-7610-885C-98859DA02621}"/>
               </a:ext>
             </a:extLst>
           </p:cNvPr>
@@ -2373,7 +2373,7 @@
           <a:bodyPr/>
           <a:lstStyle/>
           <a:p>
-            <a:fld id="{A7025F13-B11A-4339-AE93-543D4800A44D}" type="datetimeFigureOut">
+            <a:fld id="{C4A64CF1-0A4E-43B4-84B6-9E280143A53D}" type="datetimeFigureOut">
               <a:rPr lang="zh-CN" altLang="en-US" smtClean="0"/>
               <a:t>2024/3/10</a:t>
             </a:fld>
@@ -2386,7 +2386,7 @@
           <p:cNvPr id="6" name="页脚占位符 5">
             <a:extLst>
               <a:ext uri="{FF2B5EF4-FFF2-40B4-BE49-F238E27FC236}">
-                <a16:creationId xmlns:a16="http://schemas.microsoft.com/office/drawing/2014/main" id="{8F96CB19-0922-E07D-7C65-922A534EE0DF}"/>
+                <a16:creationId xmlns:a16="http://schemas.microsoft.com/office/drawing/2014/main" id="{F07466F1-3746-E2E1-5736-33E0913008DB}"/>
               </a:ext>
             </a:extLst>
           </p:cNvPr>
@@ -2411,7 +2411,7 @@
           <p:cNvPr id="7" name="灯片编号占位符 6">
             <a:extLst>
               <a:ext uri="{FF2B5EF4-FFF2-40B4-BE49-F238E27FC236}">
-                <a16:creationId xmlns:a16="http://schemas.microsoft.com/office/drawing/2014/main" id="{90B9CEE5-18CB-3E68-B6D7-AC0FE1D10F0C}"/>
+                <a16:creationId xmlns:a16="http://schemas.microsoft.com/office/drawing/2014/main" id="{FA788D1F-F483-B94E-26C7-56CC339785C2}"/>
               </a:ext>
             </a:extLst>
           </p:cNvPr>
@@ -2427,7 +2427,7 @@
           <a:bodyPr/>
           <a:lstStyle/>
           <a:p>
-            <a:fld id="{BF6DBFC8-40B8-4D7A-A2CC-BE39AC15C6E7}" type="slidenum">
+            <a:fld id="{DB52149D-4171-4948-817D-47D4CE26A88B}" type="slidenum">
               <a:rPr lang="zh-CN" altLang="en-US" smtClean="0"/>
               <a:t>‹#›</a:t>
             </a:fld>
@@ -2438,7 +2438,7 @@
     </p:spTree>
     <p:extLst>
       <p:ext uri="{BB962C8B-B14F-4D97-AF65-F5344CB8AC3E}">
-        <p14:creationId xmlns:p14="http://schemas.microsoft.com/office/powerpoint/2010/main" val="1083053109"/>
+        <p14:creationId xmlns:p14="http://schemas.microsoft.com/office/powerpoint/2010/main" val="4032846298"/>
       </p:ext>
     </p:extLst>
   </p:cSld>
@@ -2470,7 +2470,7 @@
           <p:cNvPr id="2" name="标题 1">
             <a:extLst>
               <a:ext uri="{FF2B5EF4-FFF2-40B4-BE49-F238E27FC236}">
-                <a16:creationId xmlns:a16="http://schemas.microsoft.com/office/drawing/2014/main" id="{9BC5E902-D297-8FBF-D51F-5FE7923681C4}"/>
+                <a16:creationId xmlns:a16="http://schemas.microsoft.com/office/drawing/2014/main" id="{C515F534-C2D4-AAB3-AC0A-47EA988A3FF0}"/>
               </a:ext>
             </a:extLst>
           </p:cNvPr>
@@ -2507,7 +2507,7 @@
           <p:cNvPr id="3" name="图片占位符 2">
             <a:extLst>
               <a:ext uri="{FF2B5EF4-FFF2-40B4-BE49-F238E27FC236}">
-                <a16:creationId xmlns:a16="http://schemas.microsoft.com/office/drawing/2014/main" id="{7E90BE79-DE07-78F7-F834-34DEAEC3F075}"/>
+                <a16:creationId xmlns:a16="http://schemas.microsoft.com/office/drawing/2014/main" id="{87497994-C2FF-D85D-536E-DE05D33DA7B7}"/>
               </a:ext>
             </a:extLst>
           </p:cNvPr>
@@ -2574,7 +2574,7 @@
           <p:cNvPr id="4" name="文本占位符 3">
             <a:extLst>
               <a:ext uri="{FF2B5EF4-FFF2-40B4-BE49-F238E27FC236}">
-                <a16:creationId xmlns:a16="http://schemas.microsoft.com/office/drawing/2014/main" id="{A66350E7-10FE-3837-6241-6129CC522DC8}"/>
+                <a16:creationId xmlns:a16="http://schemas.microsoft.com/office/drawing/2014/main" id="{426B880C-B188-0364-6765-0F0EC80E55A8}"/>
               </a:ext>
             </a:extLst>
           </p:cNvPr>
@@ -2645,7 +2645,7 @@
           <p:cNvPr id="5" name="日期占位符 4">
             <a:extLst>
               <a:ext uri="{FF2B5EF4-FFF2-40B4-BE49-F238E27FC236}">
-                <a16:creationId xmlns:a16="http://schemas.microsoft.com/office/drawing/2014/main" id="{E4B3B227-EE20-68B3-0ADF-662C565A6F25}"/>
+                <a16:creationId xmlns:a16="http://schemas.microsoft.com/office/drawing/2014/main" id="{9C654594-335E-4579-5B18-2A9F76F01E13}"/>
               </a:ext>
             </a:extLst>
           </p:cNvPr>
@@ -2661,7 +2661,7 @@
           <a:bodyPr/>
           <a:lstStyle/>
           <a:p>
-            <a:fld id="{A7025F13-B11A-4339-AE93-543D4800A44D}" type="datetimeFigureOut">
+            <a:fld id="{C4A64CF1-0A4E-43B4-84B6-9E280143A53D}" type="datetimeFigureOut">
               <a:rPr lang="zh-CN" altLang="en-US" smtClean="0"/>
               <a:t>2024/3/10</a:t>
             </a:fld>
@@ -2674,7 +2674,7 @@
           <p:cNvPr id="6" name="页脚占位符 5">
             <a:extLst>
               <a:ext uri="{FF2B5EF4-FFF2-40B4-BE49-F238E27FC236}">
-                <a16:creationId xmlns:a16="http://schemas.microsoft.com/office/drawing/2014/main" id="{2F4A93BA-A200-70CE-8BF3-87A4298E63BC}"/>
+                <a16:creationId xmlns:a16="http://schemas.microsoft.com/office/drawing/2014/main" id="{B8877E86-267C-F961-76A2-E072332DFBF2}"/>
               </a:ext>
             </a:extLst>
           </p:cNvPr>
@@ -2699,7 +2699,7 @@
           <p:cNvPr id="7" name="灯片编号占位符 6">
             <a:extLst>
               <a:ext uri="{FF2B5EF4-FFF2-40B4-BE49-F238E27FC236}">
-                <a16:creationId xmlns:a16="http://schemas.microsoft.com/office/drawing/2014/main" id="{B1BCC6B4-3DBE-5351-85CB-4F114AA149EE}"/>
+                <a16:creationId xmlns:a16="http://schemas.microsoft.com/office/drawing/2014/main" id="{6689DE0B-6CD3-92F1-70AF-8FA1FA08E983}"/>
               </a:ext>
             </a:extLst>
           </p:cNvPr>
@@ -2715,7 +2715,7 @@
           <a:bodyPr/>
           <a:lstStyle/>
           <a:p>
-            <a:fld id="{BF6DBFC8-40B8-4D7A-A2CC-BE39AC15C6E7}" type="slidenum">
+            <a:fld id="{DB52149D-4171-4948-817D-47D4CE26A88B}" type="slidenum">
               <a:rPr lang="zh-CN" altLang="en-US" smtClean="0"/>
               <a:t>‹#›</a:t>
             </a:fld>
@@ -2726,7 +2726,7 @@
     </p:spTree>
     <p:extLst>
       <p:ext uri="{BB962C8B-B14F-4D97-AF65-F5344CB8AC3E}">
-        <p14:creationId xmlns:p14="http://schemas.microsoft.com/office/powerpoint/2010/main" val="3700152900"/>
+        <p14:creationId xmlns:p14="http://schemas.microsoft.com/office/powerpoint/2010/main" val="3623843881"/>
       </p:ext>
     </p:extLst>
   </p:cSld>
@@ -2763,7 +2763,7 @@
           <p:cNvPr id="2" name="标题占位符 1">
             <a:extLst>
               <a:ext uri="{FF2B5EF4-FFF2-40B4-BE49-F238E27FC236}">
-                <a16:creationId xmlns:a16="http://schemas.microsoft.com/office/drawing/2014/main" id="{7B131568-8740-CE08-B284-E60D66E2EB36}"/>
+                <a16:creationId xmlns:a16="http://schemas.microsoft.com/office/drawing/2014/main" id="{4A8D1B62-C5D9-C219-DF8B-8D1E878D59F6}"/>
               </a:ext>
             </a:extLst>
           </p:cNvPr>
@@ -2801,7 +2801,7 @@
           <p:cNvPr id="3" name="文本占位符 2">
             <a:extLst>
               <a:ext uri="{FF2B5EF4-FFF2-40B4-BE49-F238E27FC236}">
-                <a16:creationId xmlns:a16="http://schemas.microsoft.com/office/drawing/2014/main" id="{4520DAD7-D45F-42EB-37F9-BD86E588E017}"/>
+                <a16:creationId xmlns:a16="http://schemas.microsoft.com/office/drawing/2014/main" id="{5828BB63-4D97-E11E-1624-CEC9DAA6F353}"/>
               </a:ext>
             </a:extLst>
           </p:cNvPr>
@@ -2868,7 +2868,7 @@
           <p:cNvPr id="4" name="日期占位符 3">
             <a:extLst>
               <a:ext uri="{FF2B5EF4-FFF2-40B4-BE49-F238E27FC236}">
-                <a16:creationId xmlns:a16="http://schemas.microsoft.com/office/drawing/2014/main" id="{4ABC306D-81A4-0CD1-A618-D72CA98FD1AC}"/>
+                <a16:creationId xmlns:a16="http://schemas.microsoft.com/office/drawing/2014/main" id="{D97EFA76-29C8-EC90-1CF8-3A338E7C6FE5}"/>
               </a:ext>
             </a:extLst>
           </p:cNvPr>
@@ -2902,7 +2902,7 @@
             </a:lvl1pPr>
           </a:lstStyle>
           <a:p>
-            <a:fld id="{A7025F13-B11A-4339-AE93-543D4800A44D}" type="datetimeFigureOut">
+            <a:fld id="{C4A64CF1-0A4E-43B4-84B6-9E280143A53D}" type="datetimeFigureOut">
               <a:rPr lang="zh-CN" altLang="en-US" smtClean="0"/>
               <a:t>2024/3/10</a:t>
             </a:fld>
@@ -2915,7 +2915,7 @@
           <p:cNvPr id="5" name="页脚占位符 4">
             <a:extLst>
               <a:ext uri="{FF2B5EF4-FFF2-40B4-BE49-F238E27FC236}">
-                <a16:creationId xmlns:a16="http://schemas.microsoft.com/office/drawing/2014/main" id="{42B5417D-6FDF-8324-4CEA-66F960F33F48}"/>
+                <a16:creationId xmlns:a16="http://schemas.microsoft.com/office/drawing/2014/main" id="{9D78A9F5-5CF9-3F92-5AAC-1CCD1A4515D1}"/>
               </a:ext>
             </a:extLst>
           </p:cNvPr>
@@ -2958,7 +2958,7 @@
           <p:cNvPr id="6" name="灯片编号占位符 5">
             <a:extLst>
               <a:ext uri="{FF2B5EF4-FFF2-40B4-BE49-F238E27FC236}">
-                <a16:creationId xmlns:a16="http://schemas.microsoft.com/office/drawing/2014/main" id="{B053245F-7B61-2737-329D-B2F06ACC0C37}"/>
+                <a16:creationId xmlns:a16="http://schemas.microsoft.com/office/drawing/2014/main" id="{86FBA970-12DB-FE98-4CCD-40A729D78CDF}"/>
               </a:ext>
             </a:extLst>
           </p:cNvPr>
@@ -2992,7 +2992,7 @@
             </a:lvl1pPr>
           </a:lstStyle>
           <a:p>
-            <a:fld id="{BF6DBFC8-40B8-4D7A-A2CC-BE39AC15C6E7}" type="slidenum">
+            <a:fld id="{DB52149D-4171-4948-817D-47D4CE26A88B}" type="slidenum">
               <a:rPr lang="zh-CN" altLang="en-US" smtClean="0"/>
               <a:t>‹#›</a:t>
             </a:fld>
@@ -3003,7 +3003,7 @@
     </p:spTree>
     <p:extLst>
       <p:ext uri="{BB962C8B-B14F-4D97-AF65-F5344CB8AC3E}">
-        <p14:creationId xmlns:p14="http://schemas.microsoft.com/office/powerpoint/2010/main" val="1367962160"/>
+        <p14:creationId xmlns:p14="http://schemas.microsoft.com/office/powerpoint/2010/main" val="4259323114"/>
       </p:ext>
     </p:extLst>
   </p:cSld>
